--- a/5Python程序控制结构/幻灯片.pptx
+++ b/5Python程序控制结构/幻灯片.pptx
@@ -250,7 +250,7 @@
           <a:p>
             <a:fld id="{60F4B316-D924-4517-A5A2-4C8E0839E5E5}" type="datetimeFigureOut">
               <a:rPr lang="zh-CN" altLang="en-US" smtClean="0"/>
-              <a:t>2020/3/6</a:t>
+              <a:t>2020/3/16</a:t>
             </a:fld>
             <a:endParaRPr lang="zh-CN" altLang="en-US"/>
           </a:p>
@@ -415,7 +415,7 @@
           <a:p>
             <a:fld id="{BC4111D6-04E7-4F58-8A1B-6AD011BBED3C}" type="datetimeFigureOut">
               <a:rPr lang="zh-CN" altLang="en-US" smtClean="0"/>
-              <a:t>2020/3/6</a:t>
+              <a:t>2020/3/16</a:t>
             </a:fld>
             <a:endParaRPr lang="zh-CN" altLang="en-US"/>
           </a:p>
@@ -13075,50 +13075,223 @@
           <a:lstStyle/>
           <a:p>
             <a:r>
-              <a:rPr lang="en-US" altLang="zh-CN"/>
-              <a:t>x = </a:t>
-            </a:r>
-            <a:r>
-              <a:rPr lang="en-US" altLang="zh-CN" err="1"/>
+              <a:rPr lang="en-US" altLang="zh-CN" b="0" dirty="0">
+                <a:solidFill>
+                  <a:srgbClr val="000000"/>
+                </a:solidFill>
+                <a:effectLst/>
+                <a:latin typeface=" DejaVu Sans Mono for Powerline"/>
+              </a:rPr>
+              <a:t>x = </a:t>
+            </a:r>
+            <a:r>
+              <a:rPr lang="en-US" altLang="zh-CN" b="0" dirty="0">
+                <a:solidFill>
+                  <a:srgbClr val="005CC5"/>
+                </a:solidFill>
+                <a:effectLst/>
+                <a:latin typeface=" DejaVu Sans Mono for Powerline"/>
+              </a:rPr>
               <a:t>int</a:t>
             </a:r>
             <a:r>
-              <a:rPr lang="en-US" altLang="zh-CN"/>
-              <a:t>(input("</a:t>
-            </a:r>
-            <a:r>
-              <a:rPr lang="zh-CN" altLang="en-US"/>
+              <a:rPr lang="en-US" altLang="zh-CN" b="0" dirty="0">
+                <a:solidFill>
+                  <a:srgbClr val="000000"/>
+                </a:solidFill>
+                <a:effectLst/>
+                <a:latin typeface=" DejaVu Sans Mono for Powerline"/>
+              </a:rPr>
+              <a:t>(</a:t>
+            </a:r>
+            <a:r>
+              <a:rPr lang="en-US" altLang="zh-CN" b="0" dirty="0">
+                <a:solidFill>
+                  <a:srgbClr val="005CC5"/>
+                </a:solidFill>
+                <a:effectLst/>
+                <a:latin typeface=" DejaVu Sans Mono for Powerline"/>
+              </a:rPr>
+              <a:t>input</a:t>
+            </a:r>
+            <a:r>
+              <a:rPr lang="en-US" altLang="zh-CN" b="0" dirty="0">
+                <a:solidFill>
+                  <a:srgbClr val="000000"/>
+                </a:solidFill>
+                <a:effectLst/>
+                <a:latin typeface=" DejaVu Sans Mono for Powerline"/>
+              </a:rPr>
+              <a:t>(</a:t>
+            </a:r>
+            <a:r>
+              <a:rPr lang="en-US" altLang="zh-CN" b="0" dirty="0">
+                <a:solidFill>
+                  <a:srgbClr val="032F62"/>
+                </a:solidFill>
+                <a:effectLst/>
+                <a:latin typeface=" DejaVu Sans Mono for Powerline"/>
+              </a:rPr>
+              <a:t>"</a:t>
+            </a:r>
+            <a:r>
+              <a:rPr lang="zh-CN" altLang="en-US" b="0" dirty="0">
+                <a:solidFill>
+                  <a:srgbClr val="032F62"/>
+                </a:solidFill>
+                <a:effectLst/>
+                <a:latin typeface=" DejaVu Sans Mono for Powerline"/>
+              </a:rPr>
               <a:t>请输入一个整数：</a:t>
             </a:r>
             <a:r>
-              <a:rPr lang="en-US" altLang="zh-CN"/>
-              <a:t>"))</a:t>
-            </a:r>
-          </a:p>
-          <a:p>
-            <a:r>
-              <a:rPr lang="en-US" altLang="zh-CN"/>
-              <a:t>if x &lt; 0:</a:t>
-            </a:r>
-          </a:p>
-          <a:p>
-            <a:r>
-              <a:rPr lang="en-US" altLang="zh-CN"/>
-              <a:t>	print(-x)</a:t>
-            </a:r>
-          </a:p>
-          <a:p>
-            <a:r>
-              <a:rPr lang="en-US" altLang="zh-CN"/>
-              <a:t>else:</a:t>
-            </a:r>
-          </a:p>
-          <a:p>
-            <a:r>
-              <a:rPr lang="en-US" altLang="zh-CN"/>
-              <a:t>	print(x)</a:t>
-            </a:r>
-            <a:endParaRPr lang="zh-CN" altLang="en-US"/>
+              <a:rPr lang="en-US" altLang="zh-CN" b="0" dirty="0">
+                <a:solidFill>
+                  <a:srgbClr val="032F62"/>
+                </a:solidFill>
+                <a:effectLst/>
+                <a:latin typeface=" DejaVu Sans Mono for Powerline"/>
+              </a:rPr>
+              <a:t>"</a:t>
+            </a:r>
+            <a:r>
+              <a:rPr lang="en-US" altLang="zh-CN" b="0" dirty="0">
+                <a:solidFill>
+                  <a:srgbClr val="000000"/>
+                </a:solidFill>
+                <a:effectLst/>
+                <a:latin typeface=" DejaVu Sans Mono for Powerline"/>
+              </a:rPr>
+              <a:t>))</a:t>
+            </a:r>
+          </a:p>
+          <a:p>
+            <a:r>
+              <a:rPr lang="en-US" altLang="zh-CN" b="0" dirty="0">
+                <a:solidFill>
+                  <a:srgbClr val="D73A49"/>
+                </a:solidFill>
+                <a:effectLst/>
+                <a:latin typeface=" DejaVu Sans Mono for Powerline"/>
+              </a:rPr>
+              <a:t>if</a:t>
+            </a:r>
+            <a:r>
+              <a:rPr lang="en-US" altLang="zh-CN" b="0" dirty="0">
+                <a:solidFill>
+                  <a:srgbClr val="000000"/>
+                </a:solidFill>
+                <a:effectLst/>
+                <a:latin typeface=" DejaVu Sans Mono for Powerline"/>
+              </a:rPr>
+              <a:t> x &lt; </a:t>
+            </a:r>
+            <a:r>
+              <a:rPr lang="en-US" altLang="zh-CN" b="0" dirty="0">
+                <a:solidFill>
+                  <a:srgbClr val="005CC5"/>
+                </a:solidFill>
+                <a:effectLst/>
+                <a:latin typeface=" DejaVu Sans Mono for Powerline"/>
+              </a:rPr>
+              <a:t>0</a:t>
+            </a:r>
+            <a:r>
+              <a:rPr lang="en-US" altLang="zh-CN" b="0" dirty="0">
+                <a:solidFill>
+                  <a:srgbClr val="000000"/>
+                </a:solidFill>
+                <a:effectLst/>
+                <a:latin typeface=" DejaVu Sans Mono for Powerline"/>
+              </a:rPr>
+              <a:t>:</a:t>
+            </a:r>
+          </a:p>
+          <a:p>
+            <a:r>
+              <a:rPr lang="en-US" altLang="zh-CN" b="0" dirty="0">
+                <a:solidFill>
+                  <a:srgbClr val="000000"/>
+                </a:solidFill>
+                <a:effectLst/>
+                <a:latin typeface=" DejaVu Sans Mono for Powerline"/>
+              </a:rPr>
+              <a:t>    </a:t>
+            </a:r>
+            <a:r>
+              <a:rPr lang="en-US" altLang="zh-CN" b="0" dirty="0">
+                <a:solidFill>
+                  <a:srgbClr val="005CC5"/>
+                </a:solidFill>
+                <a:effectLst/>
+                <a:latin typeface=" DejaVu Sans Mono for Powerline"/>
+              </a:rPr>
+              <a:t>print</a:t>
+            </a:r>
+            <a:r>
+              <a:rPr lang="en-US" altLang="zh-CN" b="0" dirty="0">
+                <a:solidFill>
+                  <a:srgbClr val="000000"/>
+                </a:solidFill>
+                <a:effectLst/>
+                <a:latin typeface=" DejaVu Sans Mono for Powerline"/>
+              </a:rPr>
+              <a:t>(-x)</a:t>
+            </a:r>
+          </a:p>
+          <a:p>
+            <a:r>
+              <a:rPr lang="en-US" altLang="zh-CN" b="0" dirty="0">
+                <a:solidFill>
+                  <a:srgbClr val="D73A49"/>
+                </a:solidFill>
+                <a:effectLst/>
+                <a:latin typeface=" DejaVu Sans Mono for Powerline"/>
+              </a:rPr>
+              <a:t>else</a:t>
+            </a:r>
+            <a:r>
+              <a:rPr lang="en-US" altLang="zh-CN" b="0" dirty="0">
+                <a:solidFill>
+                  <a:srgbClr val="000000"/>
+                </a:solidFill>
+                <a:effectLst/>
+                <a:latin typeface=" DejaVu Sans Mono for Powerline"/>
+              </a:rPr>
+              <a:t>:</a:t>
+            </a:r>
+          </a:p>
+          <a:p>
+            <a:r>
+              <a:rPr lang="en-US" altLang="zh-CN" b="0" dirty="0">
+                <a:solidFill>
+                  <a:srgbClr val="000000"/>
+                </a:solidFill>
+                <a:effectLst/>
+                <a:latin typeface=" DejaVu Sans Mono for Powerline"/>
+              </a:rPr>
+              <a:t>    </a:t>
+            </a:r>
+            <a:r>
+              <a:rPr lang="en-US" altLang="zh-CN" b="0" dirty="0">
+                <a:solidFill>
+                  <a:srgbClr val="005CC5"/>
+                </a:solidFill>
+                <a:effectLst/>
+                <a:latin typeface=" DejaVu Sans Mono for Powerline"/>
+              </a:rPr>
+              <a:t>print</a:t>
+            </a:r>
+            <a:r>
+              <a:rPr lang="en-US" altLang="zh-CN" b="0" dirty="0">
+                <a:solidFill>
+                  <a:srgbClr val="000000"/>
+                </a:solidFill>
+                <a:effectLst/>
+                <a:latin typeface=" DejaVu Sans Mono for Powerline"/>
+              </a:rPr>
+              <a:t>(x)</a:t>
+            </a:r>
           </a:p>
         </p:txBody>
       </p:sp>
@@ -13478,171 +13651,915 @@
           <a:lstStyle/>
           <a:p>
             <a:r>
-              <a:rPr lang="en-US" altLang="zh-CN" sz="1400"/>
-              <a:t>a = float(input("</a:t>
-            </a:r>
-            <a:r>
-              <a:rPr lang="zh-CN" altLang="en-US" sz="1400"/>
+              <a:rPr lang="en-US" altLang="zh-CN" sz="1400" b="0" dirty="0">
+                <a:solidFill>
+                  <a:srgbClr val="000000"/>
+                </a:solidFill>
+                <a:effectLst/>
+                <a:latin typeface=" DejaVu Sans Mono for Powerline"/>
+              </a:rPr>
+              <a:t>a = </a:t>
+            </a:r>
+            <a:r>
+              <a:rPr lang="en-US" altLang="zh-CN" sz="1400" b="0" dirty="0">
+                <a:solidFill>
+                  <a:srgbClr val="005CC5"/>
+                </a:solidFill>
+                <a:effectLst/>
+                <a:latin typeface=" DejaVu Sans Mono for Powerline"/>
+              </a:rPr>
+              <a:t>float</a:t>
+            </a:r>
+            <a:r>
+              <a:rPr lang="en-US" altLang="zh-CN" sz="1400" b="0" dirty="0">
+                <a:solidFill>
+                  <a:srgbClr val="000000"/>
+                </a:solidFill>
+                <a:effectLst/>
+                <a:latin typeface=" DejaVu Sans Mono for Powerline"/>
+              </a:rPr>
+              <a:t>(</a:t>
+            </a:r>
+            <a:r>
+              <a:rPr lang="en-US" altLang="zh-CN" sz="1400" b="0" dirty="0">
+                <a:solidFill>
+                  <a:srgbClr val="005CC5"/>
+                </a:solidFill>
+                <a:effectLst/>
+                <a:latin typeface=" DejaVu Sans Mono for Powerline"/>
+              </a:rPr>
+              <a:t>input</a:t>
+            </a:r>
+            <a:r>
+              <a:rPr lang="en-US" altLang="zh-CN" sz="1400" b="0" dirty="0">
+                <a:solidFill>
+                  <a:srgbClr val="000000"/>
+                </a:solidFill>
+                <a:effectLst/>
+                <a:latin typeface=" DejaVu Sans Mono for Powerline"/>
+              </a:rPr>
+              <a:t>(</a:t>
+            </a:r>
+            <a:r>
+              <a:rPr lang="en-US" altLang="zh-CN" sz="1400" b="0" dirty="0">
+                <a:solidFill>
+                  <a:srgbClr val="032F62"/>
+                </a:solidFill>
+                <a:effectLst/>
+                <a:latin typeface=" DejaVu Sans Mono for Powerline"/>
+              </a:rPr>
+              <a:t>"</a:t>
+            </a:r>
+            <a:r>
+              <a:rPr lang="zh-CN" altLang="en-US" sz="1400" b="0" dirty="0">
+                <a:solidFill>
+                  <a:srgbClr val="032F62"/>
+                </a:solidFill>
+                <a:effectLst/>
+                <a:latin typeface=" DejaVu Sans Mono for Powerline"/>
+              </a:rPr>
               <a:t>请输入系数</a:t>
             </a:r>
             <a:r>
-              <a:rPr lang="en-US" altLang="zh-CN" sz="1400"/>
+              <a:rPr lang="en-US" altLang="zh-CN" sz="1400" b="0" dirty="0">
+                <a:solidFill>
+                  <a:srgbClr val="032F62"/>
+                </a:solidFill>
+                <a:effectLst/>
+                <a:latin typeface=" DejaVu Sans Mono for Powerline"/>
+              </a:rPr>
               <a:t>a</a:t>
             </a:r>
             <a:r>
-              <a:rPr lang="zh-CN" altLang="en-US" sz="1400"/>
+              <a:rPr lang="zh-CN" altLang="en-US" sz="1400" b="0" dirty="0">
+                <a:solidFill>
+                  <a:srgbClr val="032F62"/>
+                </a:solidFill>
+                <a:effectLst/>
+                <a:latin typeface=" DejaVu Sans Mono for Powerline"/>
+              </a:rPr>
               <a:t>：</a:t>
             </a:r>
             <a:r>
-              <a:rPr lang="en-US" altLang="zh-CN" sz="1400"/>
-              <a:t>"))</a:t>
-            </a:r>
-          </a:p>
-          <a:p>
-            <a:r>
-              <a:rPr lang="en-US" altLang="zh-CN" sz="1400"/>
-              <a:t>b = float(input("</a:t>
-            </a:r>
-            <a:r>
-              <a:rPr lang="zh-CN" altLang="en-US" sz="1400"/>
+              <a:rPr lang="en-US" altLang="zh-CN" sz="1400" b="0" dirty="0">
+                <a:solidFill>
+                  <a:srgbClr val="032F62"/>
+                </a:solidFill>
+                <a:effectLst/>
+                <a:latin typeface=" DejaVu Sans Mono for Powerline"/>
+              </a:rPr>
+              <a:t>"</a:t>
+            </a:r>
+            <a:r>
+              <a:rPr lang="en-US" altLang="zh-CN" sz="1400" b="0" dirty="0">
+                <a:solidFill>
+                  <a:srgbClr val="000000"/>
+                </a:solidFill>
+                <a:effectLst/>
+                <a:latin typeface=" DejaVu Sans Mono for Powerline"/>
+              </a:rPr>
+              <a:t>))</a:t>
+            </a:r>
+          </a:p>
+          <a:p>
+            <a:r>
+              <a:rPr lang="en-US" altLang="zh-CN" sz="1400" b="0" dirty="0">
+                <a:solidFill>
+                  <a:srgbClr val="000000"/>
+                </a:solidFill>
+                <a:effectLst/>
+                <a:latin typeface=" DejaVu Sans Mono for Powerline"/>
+              </a:rPr>
+              <a:t>b = </a:t>
+            </a:r>
+            <a:r>
+              <a:rPr lang="en-US" altLang="zh-CN" sz="1400" b="0" dirty="0">
+                <a:solidFill>
+                  <a:srgbClr val="005CC5"/>
+                </a:solidFill>
+                <a:effectLst/>
+                <a:latin typeface=" DejaVu Sans Mono for Powerline"/>
+              </a:rPr>
+              <a:t>float</a:t>
+            </a:r>
+            <a:r>
+              <a:rPr lang="en-US" altLang="zh-CN" sz="1400" b="0" dirty="0">
+                <a:solidFill>
+                  <a:srgbClr val="000000"/>
+                </a:solidFill>
+                <a:effectLst/>
+                <a:latin typeface=" DejaVu Sans Mono for Powerline"/>
+              </a:rPr>
+              <a:t>(</a:t>
+            </a:r>
+            <a:r>
+              <a:rPr lang="en-US" altLang="zh-CN" sz="1400" b="0" dirty="0">
+                <a:solidFill>
+                  <a:srgbClr val="005CC5"/>
+                </a:solidFill>
+                <a:effectLst/>
+                <a:latin typeface=" DejaVu Sans Mono for Powerline"/>
+              </a:rPr>
+              <a:t>input</a:t>
+            </a:r>
+            <a:r>
+              <a:rPr lang="en-US" altLang="zh-CN" sz="1400" b="0" dirty="0">
+                <a:solidFill>
+                  <a:srgbClr val="000000"/>
+                </a:solidFill>
+                <a:effectLst/>
+                <a:latin typeface=" DejaVu Sans Mono for Powerline"/>
+              </a:rPr>
+              <a:t>(</a:t>
+            </a:r>
+            <a:r>
+              <a:rPr lang="en-US" altLang="zh-CN" sz="1400" b="0" dirty="0">
+                <a:solidFill>
+                  <a:srgbClr val="032F62"/>
+                </a:solidFill>
+                <a:effectLst/>
+                <a:latin typeface=" DejaVu Sans Mono for Powerline"/>
+              </a:rPr>
+              <a:t>"</a:t>
+            </a:r>
+            <a:r>
+              <a:rPr lang="zh-CN" altLang="en-US" sz="1400" b="0" dirty="0">
+                <a:solidFill>
+                  <a:srgbClr val="032F62"/>
+                </a:solidFill>
+                <a:effectLst/>
+                <a:latin typeface=" DejaVu Sans Mono for Powerline"/>
+              </a:rPr>
               <a:t>请输入系数</a:t>
             </a:r>
             <a:r>
-              <a:rPr lang="en-US" altLang="zh-CN" sz="1400"/>
+              <a:rPr lang="en-US" altLang="zh-CN" sz="1400" b="0" dirty="0">
+                <a:solidFill>
+                  <a:srgbClr val="032F62"/>
+                </a:solidFill>
+                <a:effectLst/>
+                <a:latin typeface=" DejaVu Sans Mono for Powerline"/>
+              </a:rPr>
               <a:t>b</a:t>
             </a:r>
             <a:r>
-              <a:rPr lang="zh-CN" altLang="en-US" sz="1400"/>
+              <a:rPr lang="zh-CN" altLang="en-US" sz="1400" b="0" dirty="0">
+                <a:solidFill>
+                  <a:srgbClr val="032F62"/>
+                </a:solidFill>
+                <a:effectLst/>
+                <a:latin typeface=" DejaVu Sans Mono for Powerline"/>
+              </a:rPr>
               <a:t>：</a:t>
             </a:r>
             <a:r>
-              <a:rPr lang="en-US" altLang="zh-CN" sz="1400"/>
-              <a:t>"))</a:t>
-            </a:r>
-          </a:p>
-          <a:p>
-            <a:r>
-              <a:rPr lang="en-US" altLang="zh-CN" sz="1400"/>
-              <a:t>c = float(input("</a:t>
-            </a:r>
-            <a:r>
-              <a:rPr lang="zh-CN" altLang="en-US" sz="1400"/>
+              <a:rPr lang="en-US" altLang="zh-CN" sz="1400" b="0" dirty="0">
+                <a:solidFill>
+                  <a:srgbClr val="032F62"/>
+                </a:solidFill>
+                <a:effectLst/>
+                <a:latin typeface=" DejaVu Sans Mono for Powerline"/>
+              </a:rPr>
+              <a:t>"</a:t>
+            </a:r>
+            <a:r>
+              <a:rPr lang="en-US" altLang="zh-CN" sz="1400" b="0" dirty="0">
+                <a:solidFill>
+                  <a:srgbClr val="000000"/>
+                </a:solidFill>
+                <a:effectLst/>
+                <a:latin typeface=" DejaVu Sans Mono for Powerline"/>
+              </a:rPr>
+              <a:t>))</a:t>
+            </a:r>
+          </a:p>
+          <a:p>
+            <a:r>
+              <a:rPr lang="en-US" altLang="zh-CN" sz="1400" b="0" dirty="0">
+                <a:solidFill>
+                  <a:srgbClr val="000000"/>
+                </a:solidFill>
+                <a:effectLst/>
+                <a:latin typeface=" DejaVu Sans Mono for Powerline"/>
+              </a:rPr>
+              <a:t>c = </a:t>
+            </a:r>
+            <a:r>
+              <a:rPr lang="en-US" altLang="zh-CN" sz="1400" b="0" dirty="0">
+                <a:solidFill>
+                  <a:srgbClr val="005CC5"/>
+                </a:solidFill>
+                <a:effectLst/>
+                <a:latin typeface=" DejaVu Sans Mono for Powerline"/>
+              </a:rPr>
+              <a:t>float</a:t>
+            </a:r>
+            <a:r>
+              <a:rPr lang="en-US" altLang="zh-CN" sz="1400" b="0" dirty="0">
+                <a:solidFill>
+                  <a:srgbClr val="000000"/>
+                </a:solidFill>
+                <a:effectLst/>
+                <a:latin typeface=" DejaVu Sans Mono for Powerline"/>
+              </a:rPr>
+              <a:t>(</a:t>
+            </a:r>
+            <a:r>
+              <a:rPr lang="en-US" altLang="zh-CN" sz="1400" b="0" dirty="0">
+                <a:solidFill>
+                  <a:srgbClr val="005CC5"/>
+                </a:solidFill>
+                <a:effectLst/>
+                <a:latin typeface=" DejaVu Sans Mono for Powerline"/>
+              </a:rPr>
+              <a:t>input</a:t>
+            </a:r>
+            <a:r>
+              <a:rPr lang="en-US" altLang="zh-CN" sz="1400" b="0" dirty="0">
+                <a:solidFill>
+                  <a:srgbClr val="000000"/>
+                </a:solidFill>
+                <a:effectLst/>
+                <a:latin typeface=" DejaVu Sans Mono for Powerline"/>
+              </a:rPr>
+              <a:t>(</a:t>
+            </a:r>
+            <a:r>
+              <a:rPr lang="en-US" altLang="zh-CN" sz="1400" b="0" dirty="0">
+                <a:solidFill>
+                  <a:srgbClr val="032F62"/>
+                </a:solidFill>
+                <a:effectLst/>
+                <a:latin typeface=" DejaVu Sans Mono for Powerline"/>
+              </a:rPr>
+              <a:t>"</a:t>
+            </a:r>
+            <a:r>
+              <a:rPr lang="zh-CN" altLang="en-US" sz="1400" b="0" dirty="0">
+                <a:solidFill>
+                  <a:srgbClr val="032F62"/>
+                </a:solidFill>
+                <a:effectLst/>
+                <a:latin typeface=" DejaVu Sans Mono for Powerline"/>
+              </a:rPr>
               <a:t>请输入系数</a:t>
             </a:r>
             <a:r>
-              <a:rPr lang="en-US" altLang="zh-CN" sz="1400"/>
+              <a:rPr lang="en-US" altLang="zh-CN" sz="1400" b="0" dirty="0">
+                <a:solidFill>
+                  <a:srgbClr val="032F62"/>
+                </a:solidFill>
+                <a:effectLst/>
+                <a:latin typeface=" DejaVu Sans Mono for Powerline"/>
+              </a:rPr>
               <a:t>c</a:t>
             </a:r>
             <a:r>
-              <a:rPr lang="zh-CN" altLang="en-US" sz="1400"/>
+              <a:rPr lang="zh-CN" altLang="en-US" sz="1400" b="0" dirty="0">
+                <a:solidFill>
+                  <a:srgbClr val="032F62"/>
+                </a:solidFill>
+                <a:effectLst/>
+                <a:latin typeface=" DejaVu Sans Mono for Powerline"/>
+              </a:rPr>
               <a:t>：</a:t>
             </a:r>
             <a:r>
-              <a:rPr lang="en-US" altLang="zh-CN" sz="1400"/>
-              <a:t>"))</a:t>
-            </a:r>
-          </a:p>
-          <a:p>
-            <a:endParaRPr lang="en-US" altLang="zh-CN" sz="1400"/>
-          </a:p>
-          <a:p>
-            <a:r>
-              <a:rPr lang="en-US" altLang="zh-CN" sz="1400"/>
-              <a:t>if a==0:</a:t>
-            </a:r>
-          </a:p>
-          <a:p>
-            <a:r>
-              <a:rPr lang="en-US" altLang="zh-CN" sz="1400"/>
-              <a:t>	if b == 0:</a:t>
-            </a:r>
-          </a:p>
-          <a:p>
-            <a:r>
-              <a:rPr lang="en-US" altLang="zh-CN" sz="1400"/>
-              <a:t>		print("</a:t>
-            </a:r>
-            <a:r>
-              <a:rPr lang="zh-CN" altLang="en-US" sz="1400"/>
+              <a:rPr lang="en-US" altLang="zh-CN" sz="1400" b="0" dirty="0">
+                <a:solidFill>
+                  <a:srgbClr val="032F62"/>
+                </a:solidFill>
+                <a:effectLst/>
+                <a:latin typeface=" DejaVu Sans Mono for Powerline"/>
+              </a:rPr>
+              <a:t>"</a:t>
+            </a:r>
+            <a:r>
+              <a:rPr lang="en-US" altLang="zh-CN" sz="1400" b="0" dirty="0">
+                <a:solidFill>
+                  <a:srgbClr val="000000"/>
+                </a:solidFill>
+                <a:effectLst/>
+                <a:latin typeface=" DejaVu Sans Mono for Powerline"/>
+              </a:rPr>
+              <a:t>))</a:t>
+            </a:r>
+          </a:p>
+          <a:p>
+            <a:br>
+              <a:rPr lang="en-US" altLang="zh-CN" sz="1400" b="0" dirty="0">
+                <a:solidFill>
+                  <a:srgbClr val="000000"/>
+                </a:solidFill>
+                <a:effectLst/>
+                <a:latin typeface=" DejaVu Sans Mono for Powerline"/>
+              </a:rPr>
+            </a:br>
+            <a:r>
+              <a:rPr lang="en-US" altLang="zh-CN" sz="1400" b="0" dirty="0">
+                <a:solidFill>
+                  <a:srgbClr val="D73A49"/>
+                </a:solidFill>
+                <a:effectLst/>
+                <a:latin typeface=" DejaVu Sans Mono for Powerline"/>
+              </a:rPr>
+              <a:t>if</a:t>
+            </a:r>
+            <a:r>
+              <a:rPr lang="en-US" altLang="zh-CN" sz="1400" b="0" dirty="0">
+                <a:solidFill>
+                  <a:srgbClr val="000000"/>
+                </a:solidFill>
+                <a:effectLst/>
+                <a:latin typeface=" DejaVu Sans Mono for Powerline"/>
+              </a:rPr>
+              <a:t> a==</a:t>
+            </a:r>
+            <a:r>
+              <a:rPr lang="en-US" altLang="zh-CN" sz="1400" b="0" dirty="0">
+                <a:solidFill>
+                  <a:srgbClr val="005CC5"/>
+                </a:solidFill>
+                <a:effectLst/>
+                <a:latin typeface=" DejaVu Sans Mono for Powerline"/>
+              </a:rPr>
+              <a:t>0</a:t>
+            </a:r>
+            <a:r>
+              <a:rPr lang="en-US" altLang="zh-CN" sz="1400" b="0" dirty="0">
+                <a:solidFill>
+                  <a:srgbClr val="000000"/>
+                </a:solidFill>
+                <a:effectLst/>
+                <a:latin typeface=" DejaVu Sans Mono for Powerline"/>
+              </a:rPr>
+              <a:t>:</a:t>
+            </a:r>
+          </a:p>
+          <a:p>
+            <a:r>
+              <a:rPr lang="en-US" altLang="zh-CN" sz="1400" b="0" dirty="0">
+                <a:solidFill>
+                  <a:srgbClr val="000000"/>
+                </a:solidFill>
+                <a:effectLst/>
+                <a:latin typeface=" DejaVu Sans Mono for Powerline"/>
+              </a:rPr>
+              <a:t>    </a:t>
+            </a:r>
+            <a:r>
+              <a:rPr lang="en-US" altLang="zh-CN" sz="1400" b="0" dirty="0">
+                <a:solidFill>
+                  <a:srgbClr val="D73A49"/>
+                </a:solidFill>
+                <a:effectLst/>
+                <a:latin typeface=" DejaVu Sans Mono for Powerline"/>
+              </a:rPr>
+              <a:t>if</a:t>
+            </a:r>
+            <a:r>
+              <a:rPr lang="en-US" altLang="zh-CN" sz="1400" b="0" dirty="0">
+                <a:solidFill>
+                  <a:srgbClr val="000000"/>
+                </a:solidFill>
+                <a:effectLst/>
+                <a:latin typeface=" DejaVu Sans Mono for Powerline"/>
+              </a:rPr>
+              <a:t> b == </a:t>
+            </a:r>
+            <a:r>
+              <a:rPr lang="en-US" altLang="zh-CN" sz="1400" b="0" dirty="0">
+                <a:solidFill>
+                  <a:srgbClr val="005CC5"/>
+                </a:solidFill>
+                <a:effectLst/>
+                <a:latin typeface=" DejaVu Sans Mono for Powerline"/>
+              </a:rPr>
+              <a:t>0</a:t>
+            </a:r>
+            <a:r>
+              <a:rPr lang="en-US" altLang="zh-CN" sz="1400" b="0" dirty="0">
+                <a:solidFill>
+                  <a:srgbClr val="000000"/>
+                </a:solidFill>
+                <a:effectLst/>
+                <a:latin typeface=" DejaVu Sans Mono for Powerline"/>
+              </a:rPr>
+              <a:t>:</a:t>
+            </a:r>
+          </a:p>
+          <a:p>
+            <a:r>
+              <a:rPr lang="en-US" altLang="zh-CN" sz="1400" b="0" dirty="0">
+                <a:solidFill>
+                  <a:srgbClr val="000000"/>
+                </a:solidFill>
+                <a:effectLst/>
+                <a:latin typeface=" DejaVu Sans Mono for Powerline"/>
+              </a:rPr>
+              <a:t>        </a:t>
+            </a:r>
+            <a:r>
+              <a:rPr lang="en-US" altLang="zh-CN" sz="1400" b="0" dirty="0">
+                <a:solidFill>
+                  <a:srgbClr val="005CC5"/>
+                </a:solidFill>
+                <a:effectLst/>
+                <a:latin typeface=" DejaVu Sans Mono for Powerline"/>
+              </a:rPr>
+              <a:t>print</a:t>
+            </a:r>
+            <a:r>
+              <a:rPr lang="en-US" altLang="zh-CN" sz="1400" b="0" dirty="0">
+                <a:solidFill>
+                  <a:srgbClr val="000000"/>
+                </a:solidFill>
+                <a:effectLst/>
+                <a:latin typeface=" DejaVu Sans Mono for Powerline"/>
+              </a:rPr>
+              <a:t>(</a:t>
+            </a:r>
+            <a:r>
+              <a:rPr lang="en-US" altLang="zh-CN" sz="1400" b="0" dirty="0">
+                <a:solidFill>
+                  <a:srgbClr val="032F62"/>
+                </a:solidFill>
+                <a:effectLst/>
+                <a:latin typeface=" DejaVu Sans Mono for Powerline"/>
+              </a:rPr>
+              <a:t>"</a:t>
+            </a:r>
+            <a:r>
+              <a:rPr lang="zh-CN" altLang="en-US" sz="1400" b="0" dirty="0">
+                <a:solidFill>
+                  <a:srgbClr val="032F62"/>
+                </a:solidFill>
+                <a:effectLst/>
+                <a:latin typeface=" DejaVu Sans Mono for Powerline"/>
+              </a:rPr>
               <a:t>无解</a:t>
             </a:r>
             <a:r>
-              <a:rPr lang="en-US" altLang="zh-CN" sz="1400"/>
-              <a:t>")</a:t>
-            </a:r>
-          </a:p>
-          <a:p>
-            <a:r>
-              <a:rPr lang="en-US" altLang="zh-CN" sz="1400"/>
-              <a:t>	else:</a:t>
-            </a:r>
-          </a:p>
-          <a:p>
-            <a:r>
-              <a:rPr lang="en-US" altLang="zh-CN" sz="1400"/>
-              <a:t>		x = -c/b</a:t>
-            </a:r>
-          </a:p>
-          <a:p>
-            <a:r>
-              <a:rPr lang="en-US" altLang="zh-CN" sz="1400"/>
-              <a:t>		print(x)</a:t>
-            </a:r>
-          </a:p>
-          <a:p>
-            <a:r>
-              <a:rPr lang="en-US" altLang="zh-CN" sz="1400"/>
-              <a:t>else:</a:t>
-            </a:r>
-          </a:p>
-          <a:p>
-            <a:r>
-              <a:rPr lang="en-US" altLang="zh-CN" sz="1400"/>
-              <a:t>	temp = b**2-4*a*c</a:t>
-            </a:r>
-          </a:p>
-          <a:p>
-            <a:r>
-              <a:rPr lang="en-US" altLang="zh-CN" sz="1400"/>
-              <a:t>	if temp &lt; 0:</a:t>
-            </a:r>
-          </a:p>
-          <a:p>
-            <a:r>
-              <a:rPr lang="en-US" altLang="zh-CN" sz="1400"/>
-              <a:t>		print("</a:t>
-            </a:r>
-            <a:r>
-              <a:rPr lang="zh-CN" altLang="en-US" sz="1400"/>
+              <a:rPr lang="en-US" altLang="zh-CN" sz="1400" b="0" dirty="0">
+                <a:solidFill>
+                  <a:srgbClr val="032F62"/>
+                </a:solidFill>
+                <a:effectLst/>
+                <a:latin typeface=" DejaVu Sans Mono for Powerline"/>
+              </a:rPr>
+              <a:t>"</a:t>
+            </a:r>
+            <a:r>
+              <a:rPr lang="en-US" altLang="zh-CN" sz="1400" b="0" dirty="0">
+                <a:solidFill>
+                  <a:srgbClr val="000000"/>
+                </a:solidFill>
+                <a:effectLst/>
+                <a:latin typeface=" DejaVu Sans Mono for Powerline"/>
+              </a:rPr>
+              <a:t>)</a:t>
+            </a:r>
+          </a:p>
+          <a:p>
+            <a:r>
+              <a:rPr lang="en-US" altLang="zh-CN" sz="1400" b="0" dirty="0">
+                <a:solidFill>
+                  <a:srgbClr val="000000"/>
+                </a:solidFill>
+                <a:effectLst/>
+                <a:latin typeface=" DejaVu Sans Mono for Powerline"/>
+              </a:rPr>
+              <a:t>    </a:t>
+            </a:r>
+            <a:r>
+              <a:rPr lang="en-US" altLang="zh-CN" sz="1400" b="0" dirty="0">
+                <a:solidFill>
+                  <a:srgbClr val="D73A49"/>
+                </a:solidFill>
+                <a:effectLst/>
+                <a:latin typeface=" DejaVu Sans Mono for Powerline"/>
+              </a:rPr>
+              <a:t>else</a:t>
+            </a:r>
+            <a:r>
+              <a:rPr lang="en-US" altLang="zh-CN" sz="1400" b="0" dirty="0">
+                <a:solidFill>
+                  <a:srgbClr val="000000"/>
+                </a:solidFill>
+                <a:effectLst/>
+                <a:latin typeface=" DejaVu Sans Mono for Powerline"/>
+              </a:rPr>
+              <a:t>:</a:t>
+            </a:r>
+          </a:p>
+          <a:p>
+            <a:r>
+              <a:rPr lang="en-US" altLang="zh-CN" sz="1400" b="0" dirty="0">
+                <a:solidFill>
+                  <a:srgbClr val="000000"/>
+                </a:solidFill>
+                <a:effectLst/>
+                <a:latin typeface=" DejaVu Sans Mono for Powerline"/>
+              </a:rPr>
+              <a:t>        x = -c/b</a:t>
+            </a:r>
+          </a:p>
+          <a:p>
+            <a:r>
+              <a:rPr lang="en-US" altLang="zh-CN" sz="1400" b="0" dirty="0">
+                <a:solidFill>
+                  <a:srgbClr val="000000"/>
+                </a:solidFill>
+                <a:effectLst/>
+                <a:latin typeface=" DejaVu Sans Mono for Powerline"/>
+              </a:rPr>
+              <a:t>        </a:t>
+            </a:r>
+            <a:r>
+              <a:rPr lang="en-US" altLang="zh-CN" sz="1400" b="0" dirty="0">
+                <a:solidFill>
+                  <a:srgbClr val="005CC5"/>
+                </a:solidFill>
+                <a:effectLst/>
+                <a:latin typeface=" DejaVu Sans Mono for Powerline"/>
+              </a:rPr>
+              <a:t>print</a:t>
+            </a:r>
+            <a:r>
+              <a:rPr lang="en-US" altLang="zh-CN" sz="1400" b="0" dirty="0">
+                <a:solidFill>
+                  <a:srgbClr val="000000"/>
+                </a:solidFill>
+                <a:effectLst/>
+                <a:latin typeface=" DejaVu Sans Mono for Powerline"/>
+              </a:rPr>
+              <a:t>(x)</a:t>
+            </a:r>
+          </a:p>
+          <a:p>
+            <a:r>
+              <a:rPr lang="en-US" altLang="zh-CN" sz="1400" b="0" dirty="0">
+                <a:solidFill>
+                  <a:srgbClr val="D73A49"/>
+                </a:solidFill>
+                <a:effectLst/>
+                <a:latin typeface=" DejaVu Sans Mono for Powerline"/>
+              </a:rPr>
+              <a:t>else</a:t>
+            </a:r>
+            <a:r>
+              <a:rPr lang="en-US" altLang="zh-CN" sz="1400" b="0" dirty="0">
+                <a:solidFill>
+                  <a:srgbClr val="000000"/>
+                </a:solidFill>
+                <a:effectLst/>
+                <a:latin typeface=" DejaVu Sans Mono for Powerline"/>
+              </a:rPr>
+              <a:t>:</a:t>
+            </a:r>
+          </a:p>
+          <a:p>
+            <a:r>
+              <a:rPr lang="en-US" altLang="zh-CN" sz="1400" b="0" dirty="0">
+                <a:solidFill>
+                  <a:srgbClr val="000000"/>
+                </a:solidFill>
+                <a:effectLst/>
+                <a:latin typeface=" DejaVu Sans Mono for Powerline"/>
+              </a:rPr>
+              <a:t>    temp = b**</a:t>
+            </a:r>
+            <a:r>
+              <a:rPr lang="en-US" altLang="zh-CN" sz="1400" b="0" dirty="0">
+                <a:solidFill>
+                  <a:srgbClr val="005CC5"/>
+                </a:solidFill>
+                <a:effectLst/>
+                <a:latin typeface=" DejaVu Sans Mono for Powerline"/>
+              </a:rPr>
+              <a:t>2</a:t>
+            </a:r>
+            <a:r>
+              <a:rPr lang="en-US" altLang="zh-CN" sz="1400" b="0" dirty="0">
+                <a:solidFill>
+                  <a:srgbClr val="000000"/>
+                </a:solidFill>
+                <a:effectLst/>
+                <a:latin typeface=" DejaVu Sans Mono for Powerline"/>
+              </a:rPr>
+              <a:t>-</a:t>
+            </a:r>
+            <a:r>
+              <a:rPr lang="en-US" altLang="zh-CN" sz="1400" b="0" dirty="0">
+                <a:solidFill>
+                  <a:srgbClr val="005CC5"/>
+                </a:solidFill>
+                <a:effectLst/>
+                <a:latin typeface=" DejaVu Sans Mono for Powerline"/>
+              </a:rPr>
+              <a:t>4</a:t>
+            </a:r>
+            <a:r>
+              <a:rPr lang="en-US" altLang="zh-CN" sz="1400" b="0" dirty="0">
+                <a:solidFill>
+                  <a:srgbClr val="000000"/>
+                </a:solidFill>
+                <a:effectLst/>
+                <a:latin typeface=" DejaVu Sans Mono for Powerline"/>
+              </a:rPr>
+              <a:t>*a*c</a:t>
+            </a:r>
+          </a:p>
+          <a:p>
+            <a:r>
+              <a:rPr lang="en-US" altLang="zh-CN" sz="1400" b="0" dirty="0">
+                <a:solidFill>
+                  <a:srgbClr val="000000"/>
+                </a:solidFill>
+                <a:effectLst/>
+                <a:latin typeface=" DejaVu Sans Mono for Powerline"/>
+              </a:rPr>
+              <a:t>    </a:t>
+            </a:r>
+            <a:r>
+              <a:rPr lang="en-US" altLang="zh-CN" sz="1400" b="0" dirty="0">
+                <a:solidFill>
+                  <a:srgbClr val="D73A49"/>
+                </a:solidFill>
+                <a:effectLst/>
+                <a:latin typeface=" DejaVu Sans Mono for Powerline"/>
+              </a:rPr>
+              <a:t>if</a:t>
+            </a:r>
+            <a:r>
+              <a:rPr lang="en-US" altLang="zh-CN" sz="1400" b="0" dirty="0">
+                <a:solidFill>
+                  <a:srgbClr val="000000"/>
+                </a:solidFill>
+                <a:effectLst/>
+                <a:latin typeface=" DejaVu Sans Mono for Powerline"/>
+              </a:rPr>
+              <a:t> temp &lt; </a:t>
+            </a:r>
+            <a:r>
+              <a:rPr lang="en-US" altLang="zh-CN" sz="1400" b="0" dirty="0">
+                <a:solidFill>
+                  <a:srgbClr val="005CC5"/>
+                </a:solidFill>
+                <a:effectLst/>
+                <a:latin typeface=" DejaVu Sans Mono for Powerline"/>
+              </a:rPr>
+              <a:t>0</a:t>
+            </a:r>
+            <a:r>
+              <a:rPr lang="en-US" altLang="zh-CN" sz="1400" b="0" dirty="0">
+                <a:solidFill>
+                  <a:srgbClr val="000000"/>
+                </a:solidFill>
+                <a:effectLst/>
+                <a:latin typeface=" DejaVu Sans Mono for Powerline"/>
+              </a:rPr>
+              <a:t>:</a:t>
+            </a:r>
+          </a:p>
+          <a:p>
+            <a:r>
+              <a:rPr lang="en-US" altLang="zh-CN" sz="1400" b="0" dirty="0">
+                <a:solidFill>
+                  <a:srgbClr val="000000"/>
+                </a:solidFill>
+                <a:effectLst/>
+                <a:latin typeface=" DejaVu Sans Mono for Powerline"/>
+              </a:rPr>
+              <a:t>        </a:t>
+            </a:r>
+            <a:r>
+              <a:rPr lang="en-US" altLang="zh-CN" sz="1400" b="0" dirty="0">
+                <a:solidFill>
+                  <a:srgbClr val="005CC5"/>
+                </a:solidFill>
+                <a:effectLst/>
+                <a:latin typeface=" DejaVu Sans Mono for Powerline"/>
+              </a:rPr>
+              <a:t>print</a:t>
+            </a:r>
+            <a:r>
+              <a:rPr lang="en-US" altLang="zh-CN" sz="1400" b="0" dirty="0">
+                <a:solidFill>
+                  <a:srgbClr val="000000"/>
+                </a:solidFill>
+                <a:effectLst/>
+                <a:latin typeface=" DejaVu Sans Mono for Powerline"/>
+              </a:rPr>
+              <a:t>(</a:t>
+            </a:r>
+            <a:r>
+              <a:rPr lang="en-US" altLang="zh-CN" sz="1400" b="0" dirty="0">
+                <a:solidFill>
+                  <a:srgbClr val="032F62"/>
+                </a:solidFill>
+                <a:effectLst/>
+                <a:latin typeface=" DejaVu Sans Mono for Powerline"/>
+              </a:rPr>
+              <a:t>"</a:t>
+            </a:r>
+            <a:r>
+              <a:rPr lang="zh-CN" altLang="en-US" sz="1400" b="0" dirty="0">
+                <a:solidFill>
+                  <a:srgbClr val="032F62"/>
+                </a:solidFill>
+                <a:effectLst/>
+                <a:latin typeface=" DejaVu Sans Mono for Powerline"/>
+              </a:rPr>
               <a:t>无解</a:t>
             </a:r>
             <a:r>
-              <a:rPr lang="en-US" altLang="zh-CN" sz="1400"/>
-              <a:t>")</a:t>
-            </a:r>
-          </a:p>
-          <a:p>
-            <a:r>
-              <a:rPr lang="en-US" altLang="zh-CN" sz="1400"/>
-              <a:t>	else:</a:t>
-            </a:r>
-          </a:p>
-          <a:p>
-            <a:r>
-              <a:rPr lang="en-US" altLang="zh-CN" sz="1400"/>
-              <a:t>		x1 = (-b + temp) / (2 * a)</a:t>
-            </a:r>
-          </a:p>
-          <a:p>
-            <a:r>
-              <a:rPr lang="en-US" altLang="zh-CN" sz="1400"/>
-              <a:t>		x2 = (-b - temp) / (2 * a)</a:t>
-            </a:r>
-          </a:p>
-          <a:p>
-            <a:r>
-              <a:rPr lang="en-US" altLang="zh-CN" sz="1400"/>
-              <a:t>		print(x1, x2)</a:t>
+              <a:rPr lang="en-US" altLang="zh-CN" sz="1400" b="0" dirty="0">
+                <a:solidFill>
+                  <a:srgbClr val="032F62"/>
+                </a:solidFill>
+                <a:effectLst/>
+                <a:latin typeface=" DejaVu Sans Mono for Powerline"/>
+              </a:rPr>
+              <a:t>"</a:t>
+            </a:r>
+            <a:r>
+              <a:rPr lang="en-US" altLang="zh-CN" sz="1400" b="0" dirty="0">
+                <a:solidFill>
+                  <a:srgbClr val="000000"/>
+                </a:solidFill>
+                <a:effectLst/>
+                <a:latin typeface=" DejaVu Sans Mono for Powerline"/>
+              </a:rPr>
+              <a:t>)</a:t>
+            </a:r>
+          </a:p>
+          <a:p>
+            <a:r>
+              <a:rPr lang="en-US" altLang="zh-CN" sz="1400" b="0" dirty="0">
+                <a:solidFill>
+                  <a:srgbClr val="000000"/>
+                </a:solidFill>
+                <a:effectLst/>
+                <a:latin typeface=" DejaVu Sans Mono for Powerline"/>
+              </a:rPr>
+              <a:t>    </a:t>
+            </a:r>
+            <a:r>
+              <a:rPr lang="en-US" altLang="zh-CN" sz="1400" b="0" dirty="0">
+                <a:solidFill>
+                  <a:srgbClr val="D73A49"/>
+                </a:solidFill>
+                <a:effectLst/>
+                <a:latin typeface=" DejaVu Sans Mono for Powerline"/>
+              </a:rPr>
+              <a:t>else</a:t>
+            </a:r>
+            <a:r>
+              <a:rPr lang="en-US" altLang="zh-CN" sz="1400" b="0" dirty="0">
+                <a:solidFill>
+                  <a:srgbClr val="000000"/>
+                </a:solidFill>
+                <a:effectLst/>
+                <a:latin typeface=" DejaVu Sans Mono for Powerline"/>
+              </a:rPr>
+              <a:t>:</a:t>
+            </a:r>
+          </a:p>
+          <a:p>
+            <a:r>
+              <a:rPr lang="en-US" altLang="zh-CN" sz="1400" b="0" dirty="0">
+                <a:solidFill>
+                  <a:srgbClr val="000000"/>
+                </a:solidFill>
+                <a:effectLst/>
+                <a:latin typeface=" DejaVu Sans Mono for Powerline"/>
+              </a:rPr>
+              <a:t>        x1 = (-b + temp) / (</a:t>
+            </a:r>
+            <a:r>
+              <a:rPr lang="en-US" altLang="zh-CN" sz="1400" b="0" dirty="0">
+                <a:solidFill>
+                  <a:srgbClr val="005CC5"/>
+                </a:solidFill>
+                <a:effectLst/>
+                <a:latin typeface=" DejaVu Sans Mono for Powerline"/>
+              </a:rPr>
+              <a:t>2</a:t>
+            </a:r>
+            <a:r>
+              <a:rPr lang="en-US" altLang="zh-CN" sz="1400" b="0" dirty="0">
+                <a:solidFill>
+                  <a:srgbClr val="000000"/>
+                </a:solidFill>
+                <a:effectLst/>
+                <a:latin typeface=" DejaVu Sans Mono for Powerline"/>
+              </a:rPr>
+              <a:t> * a)</a:t>
+            </a:r>
+          </a:p>
+          <a:p>
+            <a:r>
+              <a:rPr lang="en-US" altLang="zh-CN" sz="1400" b="0" dirty="0">
+                <a:solidFill>
+                  <a:srgbClr val="000000"/>
+                </a:solidFill>
+                <a:effectLst/>
+                <a:latin typeface=" DejaVu Sans Mono for Powerline"/>
+              </a:rPr>
+              <a:t>        x2 = (-b - temp) / (</a:t>
+            </a:r>
+            <a:r>
+              <a:rPr lang="en-US" altLang="zh-CN" sz="1400" b="0" dirty="0">
+                <a:solidFill>
+                  <a:srgbClr val="005CC5"/>
+                </a:solidFill>
+                <a:effectLst/>
+                <a:latin typeface=" DejaVu Sans Mono for Powerline"/>
+              </a:rPr>
+              <a:t>2</a:t>
+            </a:r>
+            <a:r>
+              <a:rPr lang="en-US" altLang="zh-CN" sz="1400" b="0" dirty="0">
+                <a:solidFill>
+                  <a:srgbClr val="000000"/>
+                </a:solidFill>
+                <a:effectLst/>
+                <a:latin typeface=" DejaVu Sans Mono for Powerline"/>
+              </a:rPr>
+              <a:t> * a)</a:t>
+            </a:r>
+          </a:p>
+          <a:p>
+            <a:r>
+              <a:rPr lang="en-US" altLang="zh-CN" sz="1400" b="0" dirty="0">
+                <a:solidFill>
+                  <a:srgbClr val="000000"/>
+                </a:solidFill>
+                <a:effectLst/>
+                <a:latin typeface=" DejaVu Sans Mono for Powerline"/>
+              </a:rPr>
+              <a:t>        </a:t>
+            </a:r>
+            <a:r>
+              <a:rPr lang="en-US" altLang="zh-CN" sz="1400" b="0" dirty="0">
+                <a:solidFill>
+                  <a:srgbClr val="005CC5"/>
+                </a:solidFill>
+                <a:effectLst/>
+                <a:latin typeface=" DejaVu Sans Mono for Powerline"/>
+              </a:rPr>
+              <a:t>print</a:t>
+            </a:r>
+            <a:r>
+              <a:rPr lang="en-US" altLang="zh-CN" sz="1400" b="0" dirty="0">
+                <a:solidFill>
+                  <a:srgbClr val="000000"/>
+                </a:solidFill>
+                <a:effectLst/>
+                <a:latin typeface=" DejaVu Sans Mono for Powerline"/>
+              </a:rPr>
+              <a:t>(x1, x2)</a:t>
             </a:r>
           </a:p>
         </p:txBody>
@@ -23520,143 +24437,308 @@
           <a:lstStyle/>
           <a:p>
             <a:r>
-              <a:rPr lang="en-US" altLang="zh-CN" dirty="0"/>
-              <a:t>N = int(input("</a:t>
-            </a:r>
-            <a:r>
-              <a:rPr lang="zh-CN" altLang="en-US" dirty="0"/>
-              <a:t>请输入一</a:t>
-            </a:r>
-            <a:r>
-              <a:rPr lang="zh-CN" altLang="en-US"/>
-              <a:t>个整数：</a:t>
-            </a:r>
-            <a:r>
-              <a:rPr lang="en-US" altLang="zh-CN"/>
+              <a:rPr lang="en-US" altLang="zh-CN" b="0" dirty="0">
+                <a:solidFill>
+                  <a:schemeClr val="tx1"/>
+                </a:solidFill>
+                <a:effectLst/>
+                <a:latin typeface=" DejaVu Sans Mono for Powerline"/>
+              </a:rPr>
+              <a:t>N = int(input("</a:t>
+            </a:r>
+            <a:r>
+              <a:rPr lang="zh-CN" altLang="en-US" b="0" dirty="0">
+                <a:solidFill>
+                  <a:schemeClr val="tx1"/>
+                </a:solidFill>
+                <a:effectLst/>
+                <a:latin typeface=" DejaVu Sans Mono for Powerline"/>
+              </a:rPr>
+              <a:t>请输入一个整数：</a:t>
+            </a:r>
+            <a:r>
+              <a:rPr lang="en-US" altLang="zh-CN" b="0" dirty="0">
+                <a:solidFill>
+                  <a:schemeClr val="tx1"/>
+                </a:solidFill>
+                <a:effectLst/>
+                <a:latin typeface=" DejaVu Sans Mono for Powerline"/>
+              </a:rPr>
               <a:t>"))</a:t>
             </a:r>
-            <a:endParaRPr lang="en-US" altLang="zh-CN" dirty="0"/>
-          </a:p>
-          <a:p>
-            <a:endParaRPr lang="en-US" altLang="zh-CN" dirty="0"/>
-          </a:p>
-          <a:p>
-            <a:r>
-              <a:rPr lang="en-US" altLang="zh-CN" dirty="0" err="1"/>
+          </a:p>
+          <a:p>
+            <a:br>
+              <a:rPr lang="en-US" altLang="zh-CN" b="0" dirty="0">
+                <a:solidFill>
+                  <a:schemeClr val="tx1"/>
+                </a:solidFill>
+                <a:effectLst/>
+                <a:latin typeface=" DejaVu Sans Mono for Powerline"/>
+              </a:rPr>
+            </a:br>
+            <a:r>
+              <a:rPr lang="en-US" altLang="zh-CN" b="0" dirty="0" err="1">
+                <a:solidFill>
+                  <a:schemeClr val="tx1"/>
+                </a:solidFill>
+                <a:effectLst/>
+                <a:latin typeface=" DejaVu Sans Mono for Powerline"/>
+              </a:rPr>
               <a:t>isPrime</a:t>
             </a:r>
             <a:r>
-              <a:rPr lang="en-US" altLang="zh-CN" dirty="0"/>
-              <a:t> = True</a:t>
-            </a:r>
-          </a:p>
-          <a:p>
-            <a:r>
-              <a:rPr lang="en-US" altLang="zh-CN" dirty="0"/>
-              <a:t>for </a:t>
-            </a:r>
-            <a:r>
-              <a:rPr lang="en-US" altLang="zh-CN" dirty="0" err="1"/>
+              <a:rPr lang="en-US" altLang="zh-CN" b="0" dirty="0">
+                <a:solidFill>
+                  <a:schemeClr val="tx1"/>
+                </a:solidFill>
+                <a:effectLst/>
+                <a:latin typeface=" DejaVu Sans Mono for Powerline"/>
+              </a:rPr>
+              <a:t> = True</a:t>
+            </a:r>
+          </a:p>
+          <a:p>
+            <a:r>
+              <a:rPr lang="en-US" altLang="zh-CN" b="0" dirty="0">
+                <a:solidFill>
+                  <a:schemeClr val="tx1"/>
+                </a:solidFill>
+                <a:effectLst/>
+                <a:latin typeface=" DejaVu Sans Mono for Powerline"/>
+              </a:rPr>
+              <a:t>for </a:t>
+            </a:r>
+            <a:r>
+              <a:rPr lang="en-US" altLang="zh-CN" b="0" dirty="0" err="1">
+                <a:solidFill>
+                  <a:schemeClr val="tx1"/>
+                </a:solidFill>
+                <a:effectLst/>
+                <a:latin typeface=" DejaVu Sans Mono for Powerline"/>
+              </a:rPr>
               <a:t>i</a:t>
             </a:r>
             <a:r>
-              <a:rPr lang="en-US" altLang="zh-CN" dirty="0"/>
-              <a:t> in range(2,N):</a:t>
-            </a:r>
-          </a:p>
-          <a:p>
-            <a:r>
-              <a:rPr lang="en-US" altLang="zh-CN" dirty="0"/>
-              <a:t>	if </a:t>
-            </a:r>
-            <a:r>
-              <a:rPr lang="en-US" altLang="zh-CN" dirty="0" err="1"/>
+              <a:rPr lang="en-US" altLang="zh-CN" b="0" dirty="0">
+                <a:solidFill>
+                  <a:schemeClr val="tx1"/>
+                </a:solidFill>
+                <a:effectLst/>
+                <a:latin typeface=" DejaVu Sans Mono for Powerline"/>
+              </a:rPr>
+              <a:t> in range(2,N):</a:t>
+            </a:r>
+          </a:p>
+          <a:p>
+            <a:r>
+              <a:rPr lang="en-US" altLang="zh-CN" b="0" dirty="0">
+                <a:solidFill>
+                  <a:schemeClr val="tx1"/>
+                </a:solidFill>
+                <a:effectLst/>
+                <a:latin typeface=" DejaVu Sans Mono for Powerline"/>
+              </a:rPr>
+              <a:t>    if </a:t>
+            </a:r>
+            <a:r>
+              <a:rPr lang="en-US" altLang="zh-CN" b="0" dirty="0" err="1">
+                <a:solidFill>
+                  <a:schemeClr val="tx1"/>
+                </a:solidFill>
+                <a:effectLst/>
+                <a:latin typeface=" DejaVu Sans Mono for Powerline"/>
+              </a:rPr>
               <a:t>N%i</a:t>
             </a:r>
             <a:r>
-              <a:rPr lang="en-US" altLang="zh-CN" dirty="0"/>
+              <a:rPr lang="en-US" altLang="zh-CN" b="0" dirty="0">
+                <a:solidFill>
+                  <a:schemeClr val="tx1"/>
+                </a:solidFill>
+                <a:effectLst/>
+                <a:latin typeface=" DejaVu Sans Mono for Powerline"/>
+              </a:rPr>
               <a:t>==0:</a:t>
             </a:r>
           </a:p>
           <a:p>
             <a:r>
-              <a:rPr lang="en-US" altLang="zh-CN" dirty="0"/>
-              <a:t>		</a:t>
-            </a:r>
-            <a:r>
-              <a:rPr lang="en-US" altLang="zh-CN" dirty="0" err="1"/>
+              <a:rPr lang="en-US" altLang="zh-CN" b="0" dirty="0">
+                <a:solidFill>
+                  <a:schemeClr val="tx1"/>
+                </a:solidFill>
+                <a:effectLst/>
+                <a:latin typeface=" DejaVu Sans Mono for Powerline"/>
+              </a:rPr>
+              <a:t>        </a:t>
+            </a:r>
+            <a:r>
+              <a:rPr lang="en-US" altLang="zh-CN" b="0" dirty="0" err="1">
+                <a:solidFill>
+                  <a:schemeClr val="tx1"/>
+                </a:solidFill>
+                <a:effectLst/>
+                <a:latin typeface=" DejaVu Sans Mono for Powerline"/>
+              </a:rPr>
               <a:t>isPrime</a:t>
             </a:r>
             <a:r>
-              <a:rPr lang="en-US" altLang="zh-CN" dirty="0"/>
-              <a:t> = False</a:t>
-            </a:r>
-          </a:p>
-          <a:p>
-            <a:r>
-              <a:rPr lang="en-US" altLang="zh-CN" dirty="0"/>
-              <a:t>		</a:t>
-            </a:r>
-            <a:r>
-              <a:rPr lang="en-US" altLang="zh-CN" dirty="0">
+              <a:rPr lang="en-US" altLang="zh-CN" b="0" dirty="0">
+                <a:solidFill>
+                  <a:schemeClr val="tx1"/>
+                </a:solidFill>
+                <a:effectLst/>
+                <a:latin typeface=" DejaVu Sans Mono for Powerline"/>
+              </a:rPr>
+              <a:t> = False</a:t>
+            </a:r>
+          </a:p>
+          <a:p>
+            <a:r>
+              <a:rPr lang="en-US" altLang="zh-CN" b="0" dirty="0">
+                <a:solidFill>
+                  <a:schemeClr val="tx1"/>
+                </a:solidFill>
+                <a:effectLst/>
+                <a:latin typeface=" DejaVu Sans Mono for Powerline"/>
+              </a:rPr>
+              <a:t>        </a:t>
+            </a:r>
+            <a:r>
+              <a:rPr lang="en-US" altLang="zh-CN" b="1" dirty="0">
                 <a:solidFill>
                   <a:srgbClr val="FF0000"/>
                 </a:solidFill>
+                <a:effectLst/>
+                <a:latin typeface=" DejaVu Sans Mono for Powerline"/>
               </a:rPr>
               <a:t>break</a:t>
             </a:r>
           </a:p>
           <a:p>
-            <a:endParaRPr lang="en-US" altLang="zh-CN" dirty="0"/>
-          </a:p>
-          <a:p>
-            <a:r>
-              <a:rPr lang="en-US" altLang="zh-CN" dirty="0"/>
-              <a:t>if </a:t>
-            </a:r>
-            <a:r>
-              <a:rPr lang="en-US" altLang="zh-CN" dirty="0" err="1"/>
+            <a:br>
+              <a:rPr lang="en-US" altLang="zh-CN" b="0" dirty="0">
+                <a:solidFill>
+                  <a:schemeClr val="tx1"/>
+                </a:solidFill>
+                <a:effectLst/>
+                <a:latin typeface=" DejaVu Sans Mono for Powerline"/>
+              </a:rPr>
+            </a:br>
+            <a:r>
+              <a:rPr lang="en-US" altLang="zh-CN" b="0" dirty="0">
+                <a:solidFill>
+                  <a:schemeClr val="tx1"/>
+                </a:solidFill>
+                <a:effectLst/>
+                <a:latin typeface=" DejaVu Sans Mono for Powerline"/>
+              </a:rPr>
+              <a:t>if </a:t>
+            </a:r>
+            <a:r>
+              <a:rPr lang="en-US" altLang="zh-CN" b="0" dirty="0" err="1">
+                <a:solidFill>
+                  <a:schemeClr val="tx1"/>
+                </a:solidFill>
+                <a:effectLst/>
+                <a:latin typeface=" DejaVu Sans Mono for Powerline"/>
+              </a:rPr>
               <a:t>isPrime</a:t>
             </a:r>
             <a:r>
-              <a:rPr lang="en-US" altLang="zh-CN" dirty="0"/>
+              <a:rPr lang="en-US" altLang="zh-CN" b="0" dirty="0">
+                <a:solidFill>
+                  <a:schemeClr val="tx1"/>
+                </a:solidFill>
+                <a:effectLst/>
+                <a:latin typeface=" DejaVu Sans Mono for Powerline"/>
+              </a:rPr>
               <a:t>:</a:t>
             </a:r>
           </a:p>
           <a:p>
             <a:r>
-              <a:rPr lang="en-US" altLang="zh-CN" dirty="0"/>
-              <a:t>	print("</a:t>
-            </a:r>
-            <a:r>
-              <a:rPr lang="zh-CN" altLang="en-US" dirty="0"/>
+              <a:rPr lang="en-US" altLang="zh-CN" b="0" dirty="0">
+                <a:solidFill>
+                  <a:schemeClr val="tx1"/>
+                </a:solidFill>
+                <a:effectLst/>
+                <a:latin typeface=" DejaVu Sans Mono for Powerline"/>
+              </a:rPr>
+              <a:t>    print("</a:t>
+            </a:r>
+            <a:r>
+              <a:rPr lang="zh-CN" altLang="en-US" b="0" dirty="0">
+                <a:solidFill>
+                  <a:schemeClr val="tx1"/>
+                </a:solidFill>
+                <a:effectLst/>
+                <a:latin typeface=" DejaVu Sans Mono for Powerline"/>
+              </a:rPr>
               <a:t>是素数</a:t>
             </a:r>
             <a:r>
-              <a:rPr lang="en-US" altLang="zh-CN" dirty="0"/>
+              <a:rPr lang="en-US" altLang="zh-CN" b="0" dirty="0">
+                <a:solidFill>
+                  <a:schemeClr val="tx1"/>
+                </a:solidFill>
+                <a:effectLst/>
+                <a:latin typeface=" DejaVu Sans Mono for Powerline"/>
+              </a:rPr>
               <a:t>")</a:t>
             </a:r>
           </a:p>
           <a:p>
             <a:r>
-              <a:rPr lang="en-US" altLang="zh-CN" dirty="0"/>
+              <a:rPr lang="en-US" altLang="zh-CN" b="0" dirty="0">
+                <a:solidFill>
+                  <a:schemeClr val="tx1"/>
+                </a:solidFill>
+                <a:effectLst/>
+                <a:latin typeface=" DejaVu Sans Mono for Powerline"/>
+              </a:rPr>
               <a:t>else:</a:t>
             </a:r>
           </a:p>
           <a:p>
             <a:r>
-              <a:rPr lang="en-US" altLang="zh-CN" dirty="0"/>
-              <a:t>	print("</a:t>
-            </a:r>
-            <a:r>
-              <a:rPr lang="zh-CN" altLang="en-US" dirty="0"/>
+              <a:rPr lang="en-US" altLang="zh-CN" b="0" dirty="0">
+                <a:solidFill>
+                  <a:schemeClr val="tx1"/>
+                </a:solidFill>
+                <a:effectLst/>
+                <a:latin typeface=" DejaVu Sans Mono for Powerline"/>
+              </a:rPr>
+              <a:t>    print("</a:t>
+            </a:r>
+            <a:r>
+              <a:rPr lang="zh-CN" altLang="en-US" b="0" dirty="0">
+                <a:solidFill>
+                  <a:schemeClr val="tx1"/>
+                </a:solidFill>
+                <a:effectLst/>
+                <a:latin typeface=" DejaVu Sans Mono for Powerline"/>
+              </a:rPr>
               <a:t>不是素数</a:t>
             </a:r>
             <a:r>
-              <a:rPr lang="en-US" altLang="zh-CN" dirty="0"/>
+              <a:rPr lang="en-US" altLang="zh-CN" b="0">
+                <a:solidFill>
+                  <a:schemeClr val="tx1"/>
+                </a:solidFill>
+                <a:effectLst/>
+                <a:latin typeface=" DejaVu Sans Mono for Powerline"/>
+              </a:rPr>
               <a:t>")</a:t>
             </a:r>
-            <a:endParaRPr lang="zh-CN" altLang="en-US" dirty="0"/>
+            <a:endParaRPr lang="en-US" altLang="zh-CN" b="0" dirty="0">
+              <a:solidFill>
+                <a:schemeClr val="tx1"/>
+              </a:solidFill>
+              <a:effectLst/>
+              <a:latin typeface=" DejaVu Sans Mono for Powerline"/>
+            </a:endParaRPr>
           </a:p>
         </p:txBody>
       </p:sp>
